--- a/an/sequence.pptx
+++ b/an/sequence.pptx
@@ -104,6 +104,11 @@
       </a:defRPr>
     </a:lvl9pPr>
   </p:defaultTextStyle>
+  <p:extLst>
+    <p:ext uri="{EFAFB233-063F-42B5-8137-9DF3F51BA10A}">
+      <p15:sldGuideLst xmlns:p15="http://schemas.microsoft.com/office/powerpoint/2012/main"/>
+    </p:ext>
+  </p:extLst>
 </p:presentation>
 </file>
 
@@ -256,7 +261,7 @@
           <a:p>
             <a:fld id="{3F883E15-D2F0-495B-8046-1A2403741B38}" type="datetimeFigureOut">
               <a:rPr lang="en-GB" smtClean="0"/>
-              <a:t>15/05/2025</a:t>
+              <a:t>16/05/2025</a:t>
             </a:fld>
             <a:endParaRPr lang="en-GB"/>
           </a:p>
@@ -456,7 +461,7 @@
           <a:p>
             <a:fld id="{3F883E15-D2F0-495B-8046-1A2403741B38}" type="datetimeFigureOut">
               <a:rPr lang="en-GB" smtClean="0"/>
-              <a:t>15/05/2025</a:t>
+              <a:t>16/05/2025</a:t>
             </a:fld>
             <a:endParaRPr lang="en-GB"/>
           </a:p>
@@ -666,7 +671,7 @@
           <a:p>
             <a:fld id="{3F883E15-D2F0-495B-8046-1A2403741B38}" type="datetimeFigureOut">
               <a:rPr lang="en-GB" smtClean="0"/>
-              <a:t>15/05/2025</a:t>
+              <a:t>16/05/2025</a:t>
             </a:fld>
             <a:endParaRPr lang="en-GB"/>
           </a:p>
@@ -866,7 +871,7 @@
           <a:p>
             <a:fld id="{3F883E15-D2F0-495B-8046-1A2403741B38}" type="datetimeFigureOut">
               <a:rPr lang="en-GB" smtClean="0"/>
-              <a:t>15/05/2025</a:t>
+              <a:t>16/05/2025</a:t>
             </a:fld>
             <a:endParaRPr lang="en-GB"/>
           </a:p>
@@ -1142,7 +1147,7 @@
           <a:p>
             <a:fld id="{3F883E15-D2F0-495B-8046-1A2403741B38}" type="datetimeFigureOut">
               <a:rPr lang="en-GB" smtClean="0"/>
-              <a:t>15/05/2025</a:t>
+              <a:t>16/05/2025</a:t>
             </a:fld>
             <a:endParaRPr lang="en-GB"/>
           </a:p>
@@ -1410,7 +1415,7 @@
           <a:p>
             <a:fld id="{3F883E15-D2F0-495B-8046-1A2403741B38}" type="datetimeFigureOut">
               <a:rPr lang="en-GB" smtClean="0"/>
-              <a:t>15/05/2025</a:t>
+              <a:t>16/05/2025</a:t>
             </a:fld>
             <a:endParaRPr lang="en-GB"/>
           </a:p>
@@ -1825,7 +1830,7 @@
           <a:p>
             <a:fld id="{3F883E15-D2F0-495B-8046-1A2403741B38}" type="datetimeFigureOut">
               <a:rPr lang="en-GB" smtClean="0"/>
-              <a:t>15/05/2025</a:t>
+              <a:t>16/05/2025</a:t>
             </a:fld>
             <a:endParaRPr lang="en-GB"/>
           </a:p>
@@ -1967,7 +1972,7 @@
           <a:p>
             <a:fld id="{3F883E15-D2F0-495B-8046-1A2403741B38}" type="datetimeFigureOut">
               <a:rPr lang="en-GB" smtClean="0"/>
-              <a:t>15/05/2025</a:t>
+              <a:t>16/05/2025</a:t>
             </a:fld>
             <a:endParaRPr lang="en-GB"/>
           </a:p>
@@ -2080,7 +2085,7 @@
           <a:p>
             <a:fld id="{3F883E15-D2F0-495B-8046-1A2403741B38}" type="datetimeFigureOut">
               <a:rPr lang="en-GB" smtClean="0"/>
-              <a:t>15/05/2025</a:t>
+              <a:t>16/05/2025</a:t>
             </a:fld>
             <a:endParaRPr lang="en-GB"/>
           </a:p>
@@ -2393,7 +2398,7 @@
           <a:p>
             <a:fld id="{3F883E15-D2F0-495B-8046-1A2403741B38}" type="datetimeFigureOut">
               <a:rPr lang="en-GB" smtClean="0"/>
-              <a:t>15/05/2025</a:t>
+              <a:t>16/05/2025</a:t>
             </a:fld>
             <a:endParaRPr lang="en-GB"/>
           </a:p>
@@ -2682,7 +2687,7 @@
           <a:p>
             <a:fld id="{3F883E15-D2F0-495B-8046-1A2403741B38}" type="datetimeFigureOut">
               <a:rPr lang="en-GB" smtClean="0"/>
-              <a:t>15/05/2025</a:t>
+              <a:t>16/05/2025</a:t>
             </a:fld>
             <a:endParaRPr lang="en-GB"/>
           </a:p>
@@ -2925,7 +2930,7 @@
           <a:p>
             <a:fld id="{3F883E15-D2F0-495B-8046-1A2403741B38}" type="datetimeFigureOut">
               <a:rPr lang="en-GB" smtClean="0"/>
-              <a:t>15/05/2025</a:t>
+              <a:t>16/05/2025</a:t>
             </a:fld>
             <a:endParaRPr lang="en-GB"/>
           </a:p>
@@ -3849,8 +3854,8 @@
           <a:p>
             <a:pPr algn="ctr"/>
             <a:r>
-              <a:rPr lang="en-GB" dirty="0" err="1"/>
-              <a:t>appclient</a:t>
+              <a:rPr lang="en-GB"/>
+              <a:t>:appclient</a:t>
             </a:r>
             <a:endParaRPr lang="en-GB" dirty="0"/>
           </a:p>
@@ -3898,7 +3903,7 @@
             <a:pPr algn="ctr"/>
             <a:r>
               <a:rPr lang="en-GB" dirty="0"/>
-              <a:t>database</a:t>
+              <a:t>:database</a:t>
             </a:r>
           </a:p>
         </p:txBody>
@@ -3944,6 +3949,10 @@
           <a:p>
             <a:pPr algn="ctr"/>
             <a:r>
+              <a:rPr lang="en-GB" dirty="0"/>
+              <a:t>:</a:t>
+            </a:r>
+            <a:r>
               <a:rPr lang="en-GB" dirty="0" err="1"/>
               <a:t>messengeservice</a:t>
             </a:r>
@@ -3992,6 +4001,10 @@
           <a:p>
             <a:pPr algn="ctr"/>
             <a:r>
+              <a:rPr lang="en-GB" dirty="0"/>
+              <a:t>:</a:t>
+            </a:r>
+            <a:r>
               <a:rPr lang="en-GB" dirty="0" err="1"/>
               <a:t>appreceiver</a:t>
             </a:r>
@@ -4013,8 +4026,8 @@
         </p:nvSpPr>
         <p:spPr>
           <a:xfrm>
-            <a:off x="7951074" y="171500"/>
-            <a:ext cx="2046408" cy="389215"/>
+            <a:off x="7951073" y="171500"/>
+            <a:ext cx="2133811" cy="389215"/>
           </a:xfrm>
           <a:prstGeom prst="rect">
             <a:avLst/>
@@ -4039,6 +4052,10 @@
           <a:lstStyle/>
           <a:p>
             <a:pPr algn="ctr"/>
+            <a:r>
+              <a:rPr lang="en-GB" dirty="0"/>
+              <a:t>:</a:t>
+            </a:r>
             <a:r>
               <a:rPr lang="en-GB" dirty="0" err="1"/>
               <a:t>notificationservice</a:t>
@@ -4359,14 +4376,15 @@
             </a:extLst>
           </p:cNvPr>
           <p:cNvCxnSpPr>
+            <a:cxnSpLocks/>
             <a:stCxn id="28" idx="2"/>
           </p:cNvCxnSpPr>
           <p:nvPr/>
         </p:nvCxnSpPr>
         <p:spPr>
-          <a:xfrm>
+          <a:xfrm flipH="1">
             <a:off x="8974278" y="560715"/>
-            <a:ext cx="0" cy="6297285"/>
+            <a:ext cx="43701" cy="6297285"/>
           </a:xfrm>
           <a:prstGeom prst="line">
             <a:avLst/>

--- a/an/sequence.pptx
+++ b/an/sequence.pptx
@@ -4093,6 +4093,10 @@
           <a:lstStyle/>
           <a:p>
             <a:r>
+              <a:rPr lang="en-GB" sz="1200" dirty="0"/>
+              <a:t>:</a:t>
+            </a:r>
+            <a:r>
               <a:rPr lang="en-GB" sz="1200" dirty="0" err="1"/>
               <a:t>usersender</a:t>
             </a:r>
@@ -4129,8 +4133,8 @@
           <a:lstStyle/>
           <a:p>
             <a:r>
-              <a:rPr lang="en-GB" sz="1200" dirty="0" err="1"/>
-              <a:t>userreceiver</a:t>
+              <a:rPr lang="en-GB" sz="1200"/>
+              <a:t>:userreceiver</a:t>
             </a:r>
             <a:endParaRPr lang="en-GB" sz="1200" dirty="0"/>
           </a:p>
